--- a/Coffee/coffee_shop.pptx
+++ b/Coffee/coffee_shop.pptx
@@ -3061,7 +3061,7 @@
           <a:p>
             <a:fld id="{3E35D1AD-E24C-4E82-BC85-28527A42DCE7}" type="datetimeFigureOut">
               <a:rPr lang="en-US" smtClean="0"/>
-              <a:t>13-Oct-24</a:t>
+              <a:t>25-Dec-24</a:t>
             </a:fld>
             <a:endParaRPr lang="en-US" dirty="0"/>
           </a:p>
@@ -3238,7 +3238,7 @@
           <a:p>
             <a:fld id="{7255EA34-3951-4B6D-8DDD-B157CE00471C}" type="datetimeFigureOut">
               <a:rPr lang="en-US" smtClean="0"/>
-              <a:t>13-Oct-24</a:t>
+              <a:t>25-Dec-24</a:t>
             </a:fld>
             <a:endParaRPr lang="en-US" dirty="0"/>
           </a:p>
@@ -3993,7 +3993,7 @@
           <a:p>
             <a:fld id="{9AB3A824-1A51-4B26-AD58-A6D8E14F6C04}" type="datetimeFigureOut">
               <a:rPr lang="en-US" noProof="0" smtClean="0"/>
-              <a:t>13-Oct-24</a:t>
+              <a:t>25-Dec-24</a:t>
             </a:fld>
             <a:endParaRPr lang="en-US" noProof="0" dirty="0"/>
           </a:p>
@@ -4240,7 +4240,7 @@
           <a:p>
             <a:fld id="{D857E33E-8B18-4087-B112-809917729534}" type="datetimeFigureOut">
               <a:rPr lang="en-US" smtClean="0"/>
-              <a:t>13-Oct-24</a:t>
+              <a:t>25-Dec-24</a:t>
             </a:fld>
             <a:endParaRPr lang="en-US" dirty="0"/>
           </a:p>
@@ -4424,7 +4424,7 @@
           <a:p>
             <a:fld id="{D3FFE419-2371-464F-8239-3959401C3561}" type="datetimeFigureOut">
               <a:rPr lang="en-US" smtClean="0"/>
-              <a:t>13-Oct-24</a:t>
+              <a:t>25-Dec-24</a:t>
             </a:fld>
             <a:endParaRPr lang="en-US" dirty="0"/>
           </a:p>
@@ -4633,7 +4633,7 @@
           <a:p>
             <a:fld id="{97D162C4-EDD9-4389-A98B-B87ECEA2A816}" type="datetimeFigureOut">
               <a:rPr lang="en-US" noProof="0" smtClean="0"/>
-              <a:t>13-Oct-24</a:t>
+              <a:t>25-Dec-24</a:t>
             </a:fld>
             <a:endParaRPr lang="en-US" noProof="0" dirty="0"/>
           </a:p>
@@ -4894,7 +4894,7 @@
           <a:p>
             <a:fld id="{3E5059C3-6A89-4494-99FF-5A4D6FFD50EB}" type="datetimeFigureOut">
               <a:rPr lang="en-US" noProof="0" smtClean="0"/>
-              <a:t>13-Oct-24</a:t>
+              <a:t>25-Dec-24</a:t>
             </a:fld>
             <a:endParaRPr lang="en-US" noProof="0" dirty="0"/>
           </a:p>
@@ -5245,7 +5245,7 @@
           <a:p>
             <a:fld id="{CA954B2F-12DE-47F5-8894-472B206D2E1E}" type="datetimeFigureOut">
               <a:rPr lang="en-US" noProof="0" smtClean="0"/>
-              <a:t>13-Oct-24</a:t>
+              <a:t>25-Dec-24</a:t>
             </a:fld>
             <a:endParaRPr lang="en-US" noProof="0" dirty="0"/>
           </a:p>
@@ -5651,7 +5651,7 @@
           <a:p>
             <a:fld id="{3F30E46F-7819-4ACF-B48B-48222C2ACC88}" type="datetimeFigureOut">
               <a:rPr lang="en-US" smtClean="0"/>
-              <a:t>13-Oct-24</a:t>
+              <a:t>25-Dec-24</a:t>
             </a:fld>
             <a:endParaRPr lang="en-US" dirty="0"/>
           </a:p>
@@ -5773,7 +5773,7 @@
           <a:p>
             <a:fld id="{1FAF3416-4057-4DAA-829D-4CA07428D088}" type="datetimeFigureOut">
               <a:rPr lang="en-US" smtClean="0"/>
-              <a:t>13-Oct-24</a:t>
+              <a:t>25-Dec-24</a:t>
             </a:fld>
             <a:endParaRPr lang="en-US" dirty="0"/>
           </a:p>
@@ -5872,7 +5872,7 @@
           <a:p>
             <a:fld id="{921D9284-D300-4297-87F7-E791DCC15DB1}" type="datetimeFigureOut">
               <a:rPr lang="en-US" smtClean="0"/>
-              <a:t>13-Oct-24</a:t>
+              <a:t>25-Dec-24</a:t>
             </a:fld>
             <a:endParaRPr lang="en-US" dirty="0"/>
           </a:p>
@@ -6166,7 +6166,7 @@
           <a:p>
             <a:fld id="{37D525BB-DA17-4BA0-B3C8-3AC3ABC827E6}" type="datetimeFigureOut">
               <a:rPr lang="en-US" smtClean="0"/>
-              <a:t>13-Oct-24</a:t>
+              <a:t>25-Dec-24</a:t>
             </a:fld>
             <a:endParaRPr lang="en-US" dirty="0"/>
           </a:p>
@@ -6450,7 +6450,7 @@
           <a:p>
             <a:fld id="{B16C4C9A-3960-41CF-A4E9-2A8FB932454B}" type="datetimeFigureOut">
               <a:rPr lang="en-US" smtClean="0"/>
-              <a:t>13-Oct-24</a:t>
+              <a:t>25-Dec-24</a:t>
             </a:fld>
             <a:endParaRPr lang="en-US" dirty="0"/>
           </a:p>
@@ -6704,7 +6704,7 @@
           <a:p>
             <a:fld id="{3CBC1C18-307B-4F68-A007-B5B542270E8D}" type="datetimeFigureOut">
               <a:rPr lang="en-US" noProof="0" smtClean="0"/>
-              <a:t>13-Oct-24</a:t>
+              <a:t>25-Dec-24</a:t>
             </a:fld>
             <a:endParaRPr lang="en-US" noProof="0" dirty="0"/>
           </a:p>
@@ -7220,7 +7220,7 @@
                 <a16:creationId xmlns:a16="http://schemas.microsoft.com/office/drawing/2014/main" id="{B8D726A5-7900-41B4-8D49-49B4A2010E7C}"/>
               </a:ext>
               <a:ext uri="{C183D7F6-B498-43B3-948B-1728B52AA6E4}">
-                <adec:decorative xmlns:adec="http://schemas.microsoft.com/office/drawing/2017/decorative" xmlns="" val="1"/>
+                <adec:decorative xmlns="" xmlns:adec="http://schemas.microsoft.com/office/drawing/2017/decorative" val="1"/>
               </a:ext>
             </a:extLst>
           </p:cNvPr>
@@ -7413,7 +7413,7 @@
                 <a16:creationId xmlns:a16="http://schemas.microsoft.com/office/drawing/2014/main" id="{46E49661-E258-450C-8150-A91A6B30D1CD}"/>
               </a:ext>
               <a:ext uri="{C183D7F6-B498-43B3-948B-1728B52AA6E4}">
-                <adec:decorative xmlns:adec="http://schemas.microsoft.com/office/drawing/2017/decorative" xmlns="" val="1"/>
+                <adec:decorative xmlns="" xmlns:adec="http://schemas.microsoft.com/office/drawing/2017/decorative" val="1"/>
               </a:ext>
             </a:extLst>
           </p:cNvPr>
@@ -7741,7 +7741,7 @@
                 </a:solidFill>
                 <a:latin typeface="+mj-lt"/>
               </a:rPr>
-              <a:t>Postgresql</a:t>
+              <a:t>PostGresql</a:t>
             </a:r>
             <a:r>
               <a:rPr lang="en-US" sz="3600" dirty="0" smtClean="0">
@@ -7750,7 +7750,16 @@
                 </a:solidFill>
                 <a:latin typeface="+mj-lt"/>
               </a:rPr>
-              <a:t> Language</a:t>
+              <a:t> </a:t>
+            </a:r>
+            <a:r>
+              <a:rPr lang="en-US" sz="3600" dirty="0" smtClean="0">
+                <a:solidFill>
+                  <a:schemeClr val="tx1"/>
+                </a:solidFill>
+                <a:latin typeface="+mj-lt"/>
+              </a:rPr>
+              <a:t>Language</a:t>
             </a:r>
             <a:endParaRPr lang="en-US" sz="3600" dirty="0">
               <a:solidFill>
@@ -7844,7 +7853,7 @@
                 <a16:creationId xmlns:a16="http://schemas.microsoft.com/office/drawing/2014/main" id="{F6F939FF-38E5-43C1-9562-6E33A2F50848}"/>
               </a:ext>
               <a:ext uri="{C183D7F6-B498-43B3-948B-1728B52AA6E4}">
-                <adec:decorative xmlns:adec="http://schemas.microsoft.com/office/drawing/2017/decorative" xmlns="" val="1"/>
+                <adec:decorative xmlns="" xmlns:adec="http://schemas.microsoft.com/office/drawing/2017/decorative" val="1"/>
               </a:ext>
             </a:extLst>
           </p:cNvPr>
@@ -7904,7 +7913,7 @@
                 <a16:creationId xmlns:a16="http://schemas.microsoft.com/office/drawing/2014/main" id="{C148A00E-633D-4DE1-A032-9D62FA291C78}"/>
               </a:ext>
               <a:ext uri="{C183D7F6-B498-43B3-948B-1728B52AA6E4}">
-                <adec:decorative xmlns:adec="http://schemas.microsoft.com/office/drawing/2017/decorative" xmlns="" val="1"/>
+                <adec:decorative xmlns="" xmlns:adec="http://schemas.microsoft.com/office/drawing/2017/decorative" val="1"/>
               </a:ext>
             </a:extLst>
           </p:cNvPr>
@@ -8018,7 +8027,7 @@
                 <a16:creationId xmlns:a16="http://schemas.microsoft.com/office/drawing/2014/main" id="{1F7502AC-B5F2-447A-8886-7B0FA9DBA734}"/>
               </a:ext>
               <a:ext uri="{C183D7F6-B498-43B3-948B-1728B52AA6E4}">
-                <adec:decorative xmlns:adec="http://schemas.microsoft.com/office/drawing/2017/decorative" xmlns="" val="1"/>
+                <adec:decorative xmlns="" xmlns:adec="http://schemas.microsoft.com/office/drawing/2017/decorative" val="1"/>
               </a:ext>
             </a:extLst>
           </p:cNvPr>
@@ -9697,7 +9706,7 @@
                 <a16:creationId xmlns:a16="http://schemas.microsoft.com/office/drawing/2014/main" id="{841ADA27-F8D7-4034-AACF-0E2C0E2546BE}"/>
               </a:ext>
               <a:ext uri="{C183D7F6-B498-43B3-948B-1728B52AA6E4}">
-                <adec:decorative xmlns:adec="http://schemas.microsoft.com/office/drawing/2017/decorative" xmlns="" val="1"/>
+                <adec:decorative xmlns="" xmlns:adec="http://schemas.microsoft.com/office/drawing/2017/decorative" val="1"/>
               </a:ext>
             </a:extLst>
           </p:cNvPr>
@@ -9835,7 +9844,7 @@
                 <a16:creationId xmlns:a16="http://schemas.microsoft.com/office/drawing/2014/main" id="{9CC82DC8-E7AF-4E0A-B62F-9B79E706D9F3}"/>
               </a:ext>
               <a:ext uri="{C183D7F6-B498-43B3-948B-1728B52AA6E4}">
-                <adec:decorative xmlns:adec="http://schemas.microsoft.com/office/drawing/2017/decorative" xmlns="" val="1"/>
+                <adec:decorative xmlns="" xmlns:adec="http://schemas.microsoft.com/office/drawing/2017/decorative" val="1"/>
               </a:ext>
             </a:extLst>
           </p:cNvPr>
@@ -9928,7 +9937,7 @@
           <a:blip r:embed="rId9">
             <a:extLst>
               <a:ext uri="{96DAC541-7B7A-43D3-8B79-37D633B846F1}">
-                <asvg:svgBlip xmlns:asvg="http://schemas.microsoft.com/office/drawing/2016/SVG/main" xmlns="" r:embed="rId10"/>
+                <asvg:svgBlip xmlns="" xmlns:asvg="http://schemas.microsoft.com/office/drawing/2016/SVG/main" r:embed="rId10"/>
               </a:ext>
             </a:extLst>
           </a:blip>
@@ -9984,7 +9993,7 @@
                 <a16:creationId xmlns:a16="http://schemas.microsoft.com/office/drawing/2014/main" id="{E1063F05-99EF-4DA3-B595-4E26670F29F9}"/>
               </a:ext>
               <a:ext uri="{C183D7F6-B498-43B3-948B-1728B52AA6E4}">
-                <adec:decorative xmlns:adec="http://schemas.microsoft.com/office/drawing/2017/decorative" xmlns="" val="1"/>
+                <adec:decorative xmlns="" xmlns:adec="http://schemas.microsoft.com/office/drawing/2017/decorative" val="1"/>
               </a:ext>
             </a:extLst>
           </p:cNvPr>
@@ -10099,7 +10108,7 @@
                 <a16:creationId xmlns:a16="http://schemas.microsoft.com/office/drawing/2014/main" id="{E0A835C2-2B9B-4174-AA2C-60A4F1311908}"/>
               </a:ext>
               <a:ext uri="{C183D7F6-B498-43B3-948B-1728B52AA6E4}">
-                <adec:decorative xmlns:adec="http://schemas.microsoft.com/office/drawing/2017/decorative" xmlns="" val="1"/>
+                <adec:decorative xmlns="" xmlns:adec="http://schemas.microsoft.com/office/drawing/2017/decorative" val="1"/>
               </a:ext>
             </a:extLst>
           </p:cNvPr>
@@ -10190,8 +10199,12 @@
               </a:rPr>
             </a:br>
             <a:r>
-              <a:rPr lang="en-US" dirty="0"/>
-              <a:t>somesone@example.com</a:t>
+              <a:rPr lang="en-US" dirty="0" smtClean="0"/>
+              <a:t>kumarsubham</a:t>
+            </a:r>
+            <a:r>
+              <a:rPr lang="en-US" dirty="0" smtClean="0"/>
+              <a:t>@gmail.com</a:t>
             </a:r>
             <a:endParaRPr lang="en-US" b="1" dirty="0">
               <a:solidFill>
@@ -10267,7 +10280,7 @@
                 <a14:useLocalDpi xmlns:a14="http://schemas.microsoft.com/office/drawing/2010/main"/>
               </a:ext>
               <a:ext uri="{96DAC541-7B7A-43D3-8B79-37D633B846F1}">
-                <asvg:svgBlip xmlns:asvg="http://schemas.microsoft.com/office/drawing/2016/SVG/main" xmlns="" r:embed="rId5"/>
+                <asvg:svgBlip xmlns="" xmlns:asvg="http://schemas.microsoft.com/office/drawing/2016/SVG/main" r:embed="rId5"/>
               </a:ext>
             </a:extLst>
           </a:blip>
@@ -11157,6 +11170,24 @@
 </file>
 
 <file path=customXml/item1.xml><?xml version="1.0" encoding="utf-8"?>
+<?mso-contentType ?>
+<FormTemplates xmlns="http://schemas.microsoft.com/sharepoint/v3/contenttype/forms">
+  <Display>DocumentLibraryForm</Display>
+  <Edit>DocumentLibraryForm</Edit>
+  <New>DocumentLibraryForm</New>
+</FormTemplates>
+</file>
+
+<file path=customXml/item2.xml><?xml version="1.0" encoding="utf-8"?>
+<p:properties xmlns:p="http://schemas.microsoft.com/office/2006/metadata/properties" xmlns:xsi="http://www.w3.org/2001/XMLSchema-instance" xmlns:pc="http://schemas.microsoft.com/office/infopath/2007/PartnerControls">
+  <documentManagement>
+    <MediaServiceKeyPoints xmlns="71af3243-3dd4-4a8d-8c0d-dd76da1f02a5" xsi:nil="true"/>
+    <Status xmlns="71af3243-3dd4-4a8d-8c0d-dd76da1f02a5">Not started</Status>
+  </documentManagement>
+</p:properties>
+</file>
+
+<file path=customXml/item3.xml><?xml version="1.0" encoding="utf-8"?>
 <ct:contentTypeSchema xmlns:ct="http://schemas.microsoft.com/office/2006/metadata/contentType" xmlns:ma="http://schemas.microsoft.com/office/2006/metadata/properties/metaAttributes" ct:_="" ma:_="" ma:contentTypeName="Document" ma:contentTypeID="0x01010079F111ED35F8CC479449609E8A0923A6" ma:contentTypeVersion="12" ma:contentTypeDescription="Create a new document." ma:contentTypeScope="" ma:versionID="b385d60f68dd989dca1fdc827799d853">
   <xsd:schema xmlns:xsd="http://www.w3.org/2001/XMLSchema" xmlns:xs="http://www.w3.org/2001/XMLSchema" xmlns:p="http://schemas.microsoft.com/office/2006/metadata/properties" xmlns:ns2="71af3243-3dd4-4a8d-8c0d-dd76da1f02a5" xmlns:ns3="16c05727-aa75-4e4a-9b5f-8a80a1165891" targetNamespace="http://schemas.microsoft.com/office/2006/metadata/properties" ma:root="true" ma:fieldsID="1911b479caf7b199da365455750e4572" ns2:_="" ns3:_="">
     <xsd:import namespace="71af3243-3dd4-4a8d-8c0d-dd76da1f02a5"/>
@@ -11377,25 +11408,25 @@
 </ct:contentTypeSchema>
 </file>
 
-<file path=customXml/item2.xml><?xml version="1.0" encoding="utf-8"?>
-<p:properties xmlns:p="http://schemas.microsoft.com/office/2006/metadata/properties" xmlns:xsi="http://www.w3.org/2001/XMLSchema-instance" xmlns:pc="http://schemas.microsoft.com/office/infopath/2007/PartnerControls">
-  <documentManagement>
-    <MediaServiceKeyPoints xmlns="71af3243-3dd4-4a8d-8c0d-dd76da1f02a5" xsi:nil="true"/>
-    <Status xmlns="71af3243-3dd4-4a8d-8c0d-dd76da1f02a5">Not started</Status>
-  </documentManagement>
-</p:properties>
+<file path=customXml/itemProps1.xml><?xml version="1.0" encoding="utf-8"?>
+<ds:datastoreItem xmlns:ds="http://schemas.openxmlformats.org/officeDocument/2006/customXml" ds:itemID="{CF6B0913-D4BB-427F-9A3C-58E430AB6A53}">
+  <ds:schemaRefs>
+    <ds:schemaRef ds:uri="http://schemas.microsoft.com/sharepoint/v3/contenttype/forms"/>
+  </ds:schemaRefs>
+</ds:datastoreItem>
 </file>
 
-<file path=customXml/item3.xml><?xml version="1.0" encoding="utf-8"?>
-<?mso-contentType ?>
-<FormTemplates xmlns="http://schemas.microsoft.com/sharepoint/v3/contenttype/forms">
-  <Display>DocumentLibraryForm</Display>
-  <Edit>DocumentLibraryForm</Edit>
-  <New>DocumentLibraryForm</New>
-</FormTemplates>
+<file path=customXml/itemProps2.xml><?xml version="1.0" encoding="utf-8"?>
+<ds:datastoreItem xmlns:ds="http://schemas.openxmlformats.org/officeDocument/2006/customXml" ds:itemID="{6E0C1243-C9FF-4461-B21D-DC7A9A834A30}">
+  <ds:schemaRefs>
+    <ds:schemaRef ds:uri="http://schemas.microsoft.com/office/2006/metadata/properties"/>
+    <ds:schemaRef ds:uri="http://schemas.microsoft.com/office/infopath/2007/PartnerControls"/>
+    <ds:schemaRef ds:uri="71af3243-3dd4-4a8d-8c0d-dd76da1f02a5"/>
+  </ds:schemaRefs>
+</ds:datastoreItem>
 </file>
 
-<file path=customXml/itemProps1.xml><?xml version="1.0" encoding="utf-8"?>
+<file path=customXml/itemProps3.xml><?xml version="1.0" encoding="utf-8"?>
 <ds:datastoreItem xmlns:ds="http://schemas.openxmlformats.org/officeDocument/2006/customXml" ds:itemID="{7CF886C1-21C8-492D-B13F-01E91F83DF4C}">
   <ds:schemaRefs>
     <ds:schemaRef ds:uri="http://schemas.microsoft.com/office/2006/metadata/contentType"/>
@@ -11412,22 +11443,4 @@
     <ds:schemaRef ds:uri="http://schemas.microsoft.com/internal/obd"/>
   </ds:schemaRefs>
 </ds:datastoreItem>
-</file>
-
-<file path=customXml/itemProps2.xml><?xml version="1.0" encoding="utf-8"?>
-<ds:datastoreItem xmlns:ds="http://schemas.openxmlformats.org/officeDocument/2006/customXml" ds:itemID="{6E0C1243-C9FF-4461-B21D-DC7A9A834A30}">
-  <ds:schemaRefs>
-    <ds:schemaRef ds:uri="http://schemas.microsoft.com/office/2006/metadata/properties"/>
-    <ds:schemaRef ds:uri="http://schemas.microsoft.com/office/infopath/2007/PartnerControls"/>
-    <ds:schemaRef ds:uri="71af3243-3dd4-4a8d-8c0d-dd76da1f02a5"/>
-  </ds:schemaRefs>
-</ds:datastoreItem>
-</file>
-
-<file path=customXml/itemProps3.xml><?xml version="1.0" encoding="utf-8"?>
-<ds:datastoreItem xmlns:ds="http://schemas.openxmlformats.org/officeDocument/2006/customXml" ds:itemID="{CF6B0913-D4BB-427F-9A3C-58E430AB6A53}">
-  <ds:schemaRefs>
-    <ds:schemaRef ds:uri="http://schemas.microsoft.com/sharepoint/v3/contenttype/forms"/>
-  </ds:schemaRefs>
-</ds:datastoreItem>
 </file>